--- a/Speed_HS301_PS11.pptx
+++ b/Speed_HS301_PS11.pptx
@@ -348,7 +348,7 @@
             <a:fld id="{B61BEF0D-F0BB-DE4B-95CE-6DB70DBA9567}" type="datetimeFigureOut">
               <a:rPr lang="en-US" dirty="0"/>
               <a:pPr/>
-              <a:t>9/25/2020</a:t>
+              <a:t>9/26/2020</a:t>
             </a:fld>
             <a:endParaRPr lang="en-US" dirty="0"/>
           </a:p>
@@ -636,7 +636,7 @@
             <a:fld id="{B61BEF0D-F0BB-DE4B-95CE-6DB70DBA9567}" type="datetimeFigureOut">
               <a:rPr lang="en-US" dirty="0"/>
               <a:pPr/>
-              <a:t>9/25/2020</a:t>
+              <a:t>9/26/2020</a:t>
             </a:fld>
             <a:endParaRPr lang="en-US" dirty="0"/>
           </a:p>
@@ -901,7 +901,7 @@
             <a:fld id="{B61BEF0D-F0BB-DE4B-95CE-6DB70DBA9567}" type="datetimeFigureOut">
               <a:rPr lang="en-US" dirty="0"/>
               <a:pPr/>
-              <a:t>9/25/2020</a:t>
+              <a:t>9/26/2020</a:t>
             </a:fld>
             <a:endParaRPr lang="en-US" dirty="0"/>
           </a:p>
@@ -1462,7 +1462,7 @@
             <a:fld id="{B61BEF0D-F0BB-DE4B-95CE-6DB70DBA9567}" type="datetimeFigureOut">
               <a:rPr lang="en-US" dirty="0"/>
               <a:pPr/>
-              <a:t>9/25/2020</a:t>
+              <a:t>9/26/2020</a:t>
             </a:fld>
             <a:endParaRPr lang="en-US" dirty="0"/>
           </a:p>
@@ -1722,7 +1722,7 @@
             <a:fld id="{B61BEF0D-F0BB-DE4B-95CE-6DB70DBA9567}" type="datetimeFigureOut">
               <a:rPr lang="en-US" dirty="0"/>
               <a:pPr/>
-              <a:t>9/25/2020</a:t>
+              <a:t>9/26/2020</a:t>
             </a:fld>
             <a:endParaRPr lang="en-US" dirty="0"/>
           </a:p>
@@ -2299,7 +2299,7 @@
             <a:fld id="{B61BEF0D-F0BB-DE4B-95CE-6DB70DBA9567}" type="datetimeFigureOut">
               <a:rPr lang="en-US" dirty="0"/>
               <a:pPr/>
-              <a:t>9/25/2020</a:t>
+              <a:t>9/26/2020</a:t>
             </a:fld>
             <a:endParaRPr lang="en-US" dirty="0"/>
           </a:p>
@@ -2632,7 +2632,7 @@
             <a:fld id="{B61BEF0D-F0BB-DE4B-95CE-6DB70DBA9567}" type="datetimeFigureOut">
               <a:rPr lang="en-US" dirty="0"/>
               <a:pPr/>
-              <a:t>9/25/2020</a:t>
+              <a:t>9/26/2020</a:t>
             </a:fld>
             <a:endParaRPr lang="en-US" dirty="0"/>
           </a:p>
@@ -2807,7 +2807,7 @@
             <a:fld id="{B61BEF0D-F0BB-DE4B-95CE-6DB70DBA9567}" type="datetimeFigureOut">
               <a:rPr lang="en-US" dirty="0"/>
               <a:pPr/>
-              <a:t>9/25/2020</a:t>
+              <a:t>9/26/2020</a:t>
             </a:fld>
             <a:endParaRPr lang="en-US" dirty="0"/>
           </a:p>
@@ -2987,7 +2987,7 @@
             <a:fld id="{B61BEF0D-F0BB-DE4B-95CE-6DB70DBA9567}" type="datetimeFigureOut">
               <a:rPr lang="en-US" dirty="0"/>
               <a:pPr/>
-              <a:t>9/25/2020</a:t>
+              <a:t>9/26/2020</a:t>
             </a:fld>
             <a:endParaRPr lang="en-US" dirty="0"/>
           </a:p>
@@ -3157,7 +3157,7 @@
             <a:fld id="{B61BEF0D-F0BB-DE4B-95CE-6DB70DBA9567}" type="datetimeFigureOut">
               <a:rPr lang="en-US" dirty="0"/>
               <a:pPr/>
-              <a:t>9/25/2020</a:t>
+              <a:t>9/26/2020</a:t>
             </a:fld>
             <a:endParaRPr lang="en-US" dirty="0"/>
           </a:p>
@@ -3417,7 +3417,7 @@
             <a:fld id="{B61BEF0D-F0BB-DE4B-95CE-6DB70DBA9567}" type="datetimeFigureOut">
               <a:rPr lang="en-US" dirty="0"/>
               <a:pPr/>
-              <a:t>9/25/2020</a:t>
+              <a:t>9/26/2020</a:t>
             </a:fld>
             <a:endParaRPr lang="en-US" dirty="0"/>
           </a:p>
@@ -3708,7 +3708,7 @@
             <a:fld id="{B61BEF0D-F0BB-DE4B-95CE-6DB70DBA9567}" type="datetimeFigureOut">
               <a:rPr lang="en-US" dirty="0"/>
               <a:pPr/>
-              <a:t>9/25/2020</a:t>
+              <a:t>9/26/2020</a:t>
             </a:fld>
             <a:endParaRPr lang="en-US" dirty="0"/>
           </a:p>
@@ -4137,7 +4137,7 @@
             <a:fld id="{B61BEF0D-F0BB-DE4B-95CE-6DB70DBA9567}" type="datetimeFigureOut">
               <a:rPr lang="en-US" dirty="0"/>
               <a:pPr/>
-              <a:t>9/25/2020</a:t>
+              <a:t>9/26/2020</a:t>
             </a:fld>
             <a:endParaRPr lang="en-US" dirty="0"/>
           </a:p>
@@ -4262,7 +4262,7 @@
             <a:fld id="{B61BEF0D-F0BB-DE4B-95CE-6DB70DBA9567}" type="datetimeFigureOut">
               <a:rPr lang="en-US" dirty="0"/>
               <a:pPr/>
-              <a:t>9/25/2020</a:t>
+              <a:t>9/26/2020</a:t>
             </a:fld>
             <a:endParaRPr lang="en-US" dirty="0"/>
           </a:p>
@@ -4359,7 +4359,7 @@
             <a:fld id="{B61BEF0D-F0BB-DE4B-95CE-6DB70DBA9567}" type="datetimeFigureOut">
               <a:rPr lang="en-US" dirty="0"/>
               <a:pPr/>
-              <a:t>9/25/2020</a:t>
+              <a:t>9/26/2020</a:t>
             </a:fld>
             <a:endParaRPr lang="en-US" dirty="0"/>
           </a:p>
@@ -4642,7 +4642,7 @@
             <a:fld id="{B61BEF0D-F0BB-DE4B-95CE-6DB70DBA9567}" type="datetimeFigureOut">
               <a:rPr lang="en-US" dirty="0"/>
               <a:pPr/>
-              <a:t>9/25/2020</a:t>
+              <a:t>9/26/2020</a:t>
             </a:fld>
             <a:endParaRPr lang="en-US" dirty="0"/>
           </a:p>
@@ -4930,7 +4930,7 @@
             <a:fld id="{B61BEF0D-F0BB-DE4B-95CE-6DB70DBA9567}" type="datetimeFigureOut">
               <a:rPr lang="en-US" dirty="0"/>
               <a:pPr/>
-              <a:t>9/25/2020</a:t>
+              <a:t>9/26/2020</a:t>
             </a:fld>
             <a:endParaRPr lang="en-US" dirty="0"/>
           </a:p>
@@ -5189,7 +5189,7 @@
             <a:fld id="{B61BEF0D-F0BB-DE4B-95CE-6DB70DBA9567}" type="datetimeFigureOut">
               <a:rPr lang="en-US" dirty="0"/>
               <a:pPr/>
-              <a:t>9/25/2020</a:t>
+              <a:t>9/26/2020</a:t>
             </a:fld>
             <a:endParaRPr lang="en-US" dirty="0"/>
           </a:p>
@@ -6027,7 +6027,7 @@
         </p:spPr>
         <p:txBody>
           <a:bodyPr vert="horz" lIns="91440" tIns="45720" rIns="91440" bIns="45720" rtlCol="0" anchor="t">
-            <a:normAutofit lnSpcReduction="10000"/>
+            <a:normAutofit fontScale="92500"/>
           </a:bodyPr>
           <a:lstStyle/>
           <a:p>
@@ -6127,7 +6127,7 @@
               </a:rPr>
               <a:t>).</a:t>
             </a:r>
-            <a:endParaRPr lang="en-US" sz="2000" b="1">
+            <a:endParaRPr lang="en-US" sz="2000" b="1" dirty="0">
               <a:solidFill>
                 <a:schemeClr val="tx1"/>
               </a:solidFill>
@@ -6192,13 +6192,40 @@
               <a:t>Team Leader Name : </a:t>
             </a:r>
             <a:r>
-              <a:rPr lang="en-US" sz="2000" dirty="0">
+              <a:rPr lang="en-US" sz="2000" dirty="0" err="1">
                 <a:solidFill>
                   <a:schemeClr val="tx1"/>
                 </a:solidFill>
                 <a:latin typeface="Arial Rounded MT Bold"/>
               </a:rPr>
               <a:t>Sreekant</a:t>
+            </a:r>
+            <a:endParaRPr lang="en-US" sz="2000" dirty="0">
+              <a:solidFill>
+                <a:schemeClr val="tx1"/>
+              </a:solidFill>
+              <a:latin typeface="Arial Rounded MT Bold"/>
+            </a:endParaRPr>
+          </a:p>
+          <a:p>
+            <a:pPr algn="l"/>
+            <a:r>
+              <a:rPr lang="en-US" sz="2000" dirty="0">
+                <a:solidFill>
+                  <a:schemeClr val="tx1"/>
+                </a:solidFill>
+                <a:latin typeface="Arial Rounded MT Bold" pitchFamily="34" charset="0"/>
+              </a:rPr>
+              <a:t>Team Members: Shamik, Manish</a:t>
+            </a:r>
+            <a:r>
+              <a:rPr lang="en-US" sz="2000">
+                <a:solidFill>
+                  <a:schemeClr val="tx1"/>
+                </a:solidFill>
+                <a:latin typeface="Arial Rounded MT Bold" pitchFamily="34" charset="0"/>
+              </a:rPr>
+              <a:t>, Aryan</a:t>
             </a:r>
             <a:endParaRPr lang="en-US" sz="2000" dirty="0">
               <a:solidFill>
@@ -6233,45 +6260,6 @@
               </a:solidFill>
               <a:latin typeface="Arial Rounded MT Bold" pitchFamily="34" charset="0"/>
             </a:endParaRPr>
-          </a:p>
-        </p:txBody>
-      </p:sp>
-      <p:sp>
-        <p:nvSpPr>
-          <p:cNvPr id="4" name="TextBox 3">
-            <a:extLst>
-              <a:ext uri="{FF2B5EF4-FFF2-40B4-BE49-F238E27FC236}">
-                <a16:creationId xmlns:a16="http://schemas.microsoft.com/office/drawing/2014/main" id="{83E55873-7408-4D3D-9FF3-1CF4A3E530E7}"/>
-              </a:ext>
-            </a:extLst>
-          </p:cNvPr>
-          <p:cNvSpPr txBox="1"/>
-          <p:nvPr/>
-        </p:nvSpPr>
-        <p:spPr>
-          <a:xfrm>
-            <a:off x="3200400" y="3200400"/>
-            <a:ext cx="2743199" cy="369332"/>
-          </a:xfrm>
-          <a:prstGeom prst="rect">
-            <a:avLst/>
-          </a:prstGeom>
-          <a:noFill/>
-        </p:spPr>
-        <p:txBody>
-          <a:bodyPr rot="0" spcFirstLastPara="0" vertOverflow="overflow" horzOverflow="overflow" vert="horz" wrap="square" lIns="91440" tIns="45720" rIns="91440" bIns="45720" numCol="1" spcCol="0" rtlCol="0" fromWordArt="0" anchor="t" anchorCtr="0" forceAA="0" compatLnSpc="1">
-            <a:prstTxWarp prst="textNoShape">
-              <a:avLst/>
-            </a:prstTxWarp>
-            <a:spAutoFit/>
-          </a:bodyPr>
-          <a:lstStyle/>
-          <a:p>
-            <a:pPr algn="l"/>
-            <a:r>
-              <a:rPr lang="en-US"/>
-              <a:t>Click to add text</a:t>
-            </a:r>
           </a:p>
         </p:txBody>
       </p:sp>

--- a/Speed_HS301_PS11.pptx
+++ b/Speed_HS301_PS11.pptx
@@ -6350,105 +6350,86 @@
             <p:ph idx="1"/>
           </p:nvPr>
         </p:nvSpPr>
-        <p:spPr/>
+        <p:spPr>
+          <a:xfrm>
+            <a:off x="818348" y="2060898"/>
+            <a:ext cx="7511472" cy="4035102"/>
+          </a:xfrm>
+        </p:spPr>
         <p:txBody>
           <a:bodyPr vert="horz" lIns="91440" tIns="45720" rIns="91440" bIns="45720" rtlCol="0" anchor="t">
-            <a:normAutofit/>
+            <a:normAutofit fontScale="92500" lnSpcReduction="20000"/>
           </a:bodyPr>
           <a:lstStyle/>
           <a:p>
             <a:r>
-              <a:rPr lang="en-US" sz="2000">
+              <a:rPr lang="en-US" sz="2000" b="1" dirty="0">
                 <a:cs typeface="Calibri"/>
               </a:rPr>
               <a:t>We are using Python to code for our problem statement.</a:t>
             </a:r>
-            <a:endParaRPr lang="en-US" sz="2000" dirty="0">
-              <a:cs typeface="Calibri"/>
-            </a:endParaRPr>
-          </a:p>
-          <a:p>
-            <a:r>
-              <a:rPr lang="en-US" sz="2000">
+          </a:p>
+          <a:p>
+            <a:r>
+              <a:rPr lang="en-US" sz="2000" b="1" dirty="0">
                 <a:cs typeface="Calibri"/>
               </a:rPr>
               <a:t>We are using BeautifulSoup4 for </a:t>
             </a:r>
             <a:r>
-              <a:rPr lang="en-US" sz="2000">
+              <a:rPr lang="en-US" sz="2000" b="1" dirty="0">
                 <a:ea typeface="+mn-lt"/>
                 <a:cs typeface="+mn-lt"/>
               </a:rPr>
               <a:t>parsing </a:t>
             </a:r>
             <a:r>
-              <a:rPr lang="en-US" sz="2000">
+              <a:rPr lang="en-US" sz="2000" b="1" dirty="0">
                 <a:cs typeface="Calibri"/>
               </a:rPr>
-              <a:t>HTML data in a</a:t>
-            </a:r>
-            <a:r>
-              <a:rPr lang="en-US" sz="2000" dirty="0">
-                <a:cs typeface="Calibri"/>
-              </a:rPr>
-              <a:t> </a:t>
-            </a:r>
-            <a:r>
-              <a:rPr lang="en-US" sz="2000">
-                <a:cs typeface="Calibri"/>
-              </a:rPr>
-              <a:t>ordered manner.</a:t>
-            </a:r>
-            <a:endParaRPr lang="en-US" sz="2000" dirty="0">
-              <a:cs typeface="Calibri"/>
-            </a:endParaRPr>
-          </a:p>
-          <a:p>
-            <a:r>
-              <a:rPr lang="en-US" sz="2000">
+              <a:t>HTML data in an ordered manner.</a:t>
+            </a:r>
+          </a:p>
+          <a:p>
+            <a:r>
+              <a:rPr lang="en-US" sz="2000" b="1" dirty="0">
                 <a:cs typeface="Calibri"/>
               </a:rPr>
               <a:t>The idea of our project is to create a Code with the goal to use it as an API in the future.</a:t>
             </a:r>
-            <a:endParaRPr lang="en-US" sz="2000" dirty="0">
-              <a:cs typeface="Calibri"/>
-            </a:endParaRPr>
-          </a:p>
-          <a:p>
-            <a:r>
-              <a:rPr lang="en-US" sz="2000">
+          </a:p>
+          <a:p>
+            <a:r>
+              <a:rPr lang="en-US" sz="2000" b="1" dirty="0">
                 <a:cs typeface="Calibri"/>
               </a:rPr>
-              <a:t>We are focused on modular coding with relevent comments so it can be</a:t>
-            </a:r>
-            <a:r>
-              <a:rPr lang="en-US" sz="2000" dirty="0">
+              <a:t>We are focused on modular coding with </a:t>
+            </a:r>
+            <a:r>
+              <a:rPr lang="en-US" sz="2000" b="1" dirty="0" err="1">
                 <a:cs typeface="Calibri"/>
               </a:rPr>
-              <a:t> </a:t>
-            </a:r>
-            <a:r>
-              <a:rPr lang="en-US" sz="2000">
+              <a:t>relevent</a:t>
+            </a:r>
+            <a:r>
+              <a:rPr lang="en-US" sz="2000" b="1" dirty="0">
                 <a:cs typeface="Calibri"/>
               </a:rPr>
-              <a:t>reused in the future for further development on a larger scale.</a:t>
-            </a:r>
-            <a:endParaRPr lang="en-US" sz="2000" dirty="0">
-              <a:cs typeface="Calibri"/>
-            </a:endParaRPr>
-          </a:p>
-          <a:p>
-            <a:r>
-              <a:rPr lang="en-US" sz="2000">
+              <a:t> comments so it can be reused in the future for further development on a larger scale.</a:t>
+            </a:r>
+          </a:p>
+          <a:p>
+            <a:r>
+              <a:rPr lang="en-US" sz="2000" b="1" dirty="0">
                 <a:cs typeface="Calibri"/>
               </a:rPr>
               <a:t>Libraries</a:t>
             </a:r>
             <a:r>
-              <a:rPr lang="en-US" sz="2000"/>
+              <a:rPr lang="en-US" sz="2000" b="1" dirty="0"/>
               <a:t> used are:</a:t>
             </a:r>
-            <a:endParaRPr lang="en-US" sz="2000">
+            <a:endParaRPr lang="en-US" sz="2000" b="1" dirty="0">
               <a:cs typeface="Calibri"/>
             </a:endParaRPr>
           </a:p>
@@ -6458,7 +6439,7 @@
               <a:buChar char="Ø"/>
             </a:pPr>
             <a:r>
-              <a:rPr lang="en-US" sz="1600">
+              <a:rPr lang="en-US" sz="1600" b="1" dirty="0">
                 <a:cs typeface="Calibri"/>
               </a:rPr>
               <a:t>Pandas</a:t>
@@ -6470,7 +6451,7 @@
               <a:buChar char="Ø"/>
             </a:pPr>
             <a:r>
-              <a:rPr lang="en-US" sz="1600">
+              <a:rPr lang="en-US" sz="1600" b="1" dirty="0">
                 <a:cs typeface="Calibri"/>
               </a:rPr>
               <a:t>Json</a:t>
@@ -6482,7 +6463,7 @@
               <a:buChar char="Ø"/>
             </a:pPr>
             <a:r>
-              <a:rPr lang="en-US" sz="1600">
+              <a:rPr lang="en-US" sz="1600" b="1" dirty="0">
                 <a:cs typeface="Calibri"/>
               </a:rPr>
               <a:t>Requests</a:t>
@@ -6494,14 +6475,11 @@
               <a:buChar char="Ø"/>
             </a:pPr>
             <a:r>
-              <a:rPr lang="en-US" sz="1600">
+              <a:rPr lang="en-US" sz="1600" b="1" dirty="0">
                 <a:cs typeface="Calibri"/>
               </a:rPr>
               <a:t>XLSX writer</a:t>
             </a:r>
-            <a:endParaRPr lang="en-US" sz="1600" dirty="0">
-              <a:cs typeface="Calibri"/>
-            </a:endParaRPr>
           </a:p>
           <a:p>
             <a:pPr marL="457200" lvl="1" indent="0">
@@ -6658,7 +6636,7 @@
         <p:spPr>
           <a:xfrm>
             <a:off x="1207699" y="1716656"/>
-            <a:ext cx="7013273" cy="3693319"/>
+            <a:ext cx="7013273" cy="3970318"/>
           </a:xfrm>
           <a:prstGeom prst="rect">
             <a:avLst/>
@@ -6679,13 +6657,13 @@
               <a:buChar char="Ø"/>
             </a:pPr>
             <a:r>
-              <a:rPr lang="en-US">
+              <a:rPr lang="en-US" b="1" dirty="0">
                 <a:ea typeface="+mn-lt"/>
                 <a:cs typeface="+mn-lt"/>
               </a:rPr>
               <a:t>Web scraping typically extracts large amounts of data from websites for a variety of uses such as price monitoring, enriching machine learning models, financial data aggregation, monitoring consumer sentiment, news tracking, etc. Browsers show data from a website. However, manually copy data from multiple sources for retrieval in a central place can be very tedious and time-consuming. Web scraping tools essentially automate this manual process.</a:t>
             </a:r>
-            <a:endParaRPr lang="en-US"/>
+            <a:endParaRPr lang="en-US" b="1" dirty="0"/>
           </a:p>
           <a:p>
             <a:pPr marL="285750" indent="-285750">
@@ -6693,34 +6671,44 @@
               <a:buChar char="Ø"/>
             </a:pPr>
             <a:r>
-              <a:rPr lang="en-US">
+              <a:rPr lang="en-US" b="1" dirty="0">
                 <a:ea typeface="+mn-lt"/>
                 <a:cs typeface="+mn-lt"/>
               </a:rPr>
-              <a:t>Output formats</a:t>
-            </a:r>
-          </a:p>
-          <a:p>
-            <a:r>
-              <a:rPr lang="en-US">
+              <a:t>Output formats - Depending on the tool end-users can access the data from web scraping in several </a:t>
+            </a:r>
+            <a:r>
+              <a:rPr lang="en-US" b="1">
                 <a:ea typeface="+mn-lt"/>
                 <a:cs typeface="+mn-lt"/>
               </a:rPr>
-              <a:t>Depending on the tool end-users can access the data from web scraping in several formats:</a:t>
-            </a:r>
-          </a:p>
-          <a:p>
-            <a:r>
-              <a:rPr lang="en-US">
+              <a:t>formats:</a:t>
+            </a:r>
+          </a:p>
+          <a:p>
+            <a:pPr marL="285750" indent="-285750">
+              <a:buFont typeface="Arial" panose="020B0604020202020204" pitchFamily="34" charset="0"/>
+              <a:buChar char="•"/>
+            </a:pPr>
+            <a:r>
+              <a:rPr lang="en-US" b="1">
                 <a:ea typeface="+mn-lt"/>
                 <a:cs typeface="+mn-lt"/>
               </a:rPr>
               <a:t>JSON</a:t>
             </a:r>
-          </a:p>
-          <a:p>
-            <a:r>
-              <a:rPr lang="en-US">
+            <a:endParaRPr lang="en-US" b="1" dirty="0">
+              <a:ea typeface="+mn-lt"/>
+              <a:cs typeface="+mn-lt"/>
+            </a:endParaRPr>
+          </a:p>
+          <a:p>
+            <a:pPr marL="285750" indent="-285750">
+              <a:buFont typeface="Arial" panose="020B0604020202020204" pitchFamily="34" charset="0"/>
+              <a:buChar char="•"/>
+            </a:pPr>
+            <a:r>
+              <a:rPr lang="en-US" b="1" dirty="0">
                 <a:ea typeface="+mn-lt"/>
                 <a:cs typeface="+mn-lt"/>
               </a:rPr>
@@ -6817,38 +6805,38 @@
         <p:spPr/>
         <p:txBody>
           <a:bodyPr vert="horz" lIns="91440" tIns="45720" rIns="91440" bIns="45720" rtlCol="0" anchor="t">
-            <a:normAutofit lnSpcReduction="10000"/>
+            <a:normAutofit/>
           </a:bodyPr>
           <a:lstStyle/>
           <a:p>
             <a:r>
-              <a:rPr lang="en-US" dirty="0"/>
+              <a:rPr lang="en-US" sz="2400" b="1" dirty="0"/>
               <a:t>For the day 1, we had already completed the task of getting the scraped details of different company’s and associations from </a:t>
             </a:r>
             <a:r>
-              <a:rPr lang="en-US" dirty="0" err="1"/>
+              <a:rPr lang="en-US" sz="2400" b="1" dirty="0" err="1"/>
               <a:t>Zauba</a:t>
             </a:r>
             <a:r>
-              <a:rPr lang="en-US" dirty="0"/>
+              <a:rPr lang="en-US" sz="2400" b="1" dirty="0"/>
               <a:t>. But we were having some problems with Cibil.</a:t>
             </a:r>
           </a:p>
           <a:p>
             <a:r>
-              <a:rPr lang="en-US" dirty="0">
+              <a:rPr lang="en-US" sz="2400" b="1" dirty="0">
                 <a:cs typeface="Calibri"/>
               </a:rPr>
               <a:t>For the day 2, we tried to get as much information as we from our mentors on Cibil. To the conclusion we were able to add the </a:t>
             </a:r>
             <a:r>
-              <a:rPr lang="en-US" dirty="0" err="1">
+              <a:rPr lang="en-US" sz="2400" b="1" dirty="0" err="1">
                 <a:cs typeface="Calibri"/>
               </a:rPr>
               <a:t>urls</a:t>
             </a:r>
             <a:r>
-              <a:rPr lang="en-US" dirty="0">
+              <a:rPr lang="en-US" sz="2400" b="1" dirty="0">
                 <a:cs typeface="Calibri"/>
               </a:rPr>
               <a:t> related to the Cibil to our code to with it completing our project.</a:t>
@@ -6939,86 +6927,80 @@
         <p:spPr/>
         <p:txBody>
           <a:bodyPr vert="horz" lIns="91440" tIns="45720" rIns="91440" bIns="45720" rtlCol="0" anchor="t">
-            <a:normAutofit/>
+            <a:normAutofit fontScale="85000" lnSpcReduction="20000"/>
           </a:bodyPr>
           <a:lstStyle/>
           <a:p>
             <a:r>
-              <a:rPr lang="en-US" sz="2000">
+              <a:rPr lang="en-US" sz="2000" b="1" dirty="0">
                 <a:cs typeface="Calibri"/>
               </a:rPr>
-              <a:t>On day 1, we had a very energetic start and we were well ahead on schedule to finish our problem statement.</a:t>
-            </a:r>
-            <a:endParaRPr lang="en-US" sz="2000" dirty="0">
-              <a:cs typeface="Calibri"/>
-            </a:endParaRPr>
-          </a:p>
-          <a:p>
-            <a:r>
-              <a:rPr lang="en-US" sz="2000">
+              <a:t>On day 1, we had a very energetic start, and we were well ahead on schedule to finish our problem statement.</a:t>
+            </a:r>
+          </a:p>
+          <a:p>
+            <a:r>
+              <a:rPr lang="en-US" sz="2000" b="1" dirty="0">
                 <a:cs typeface="Calibri"/>
               </a:rPr>
-              <a:t>But at 6:00 pm, sadly, we got  information that one of our team</a:t>
-            </a:r>
-            <a:r>
-              <a:rPr lang="en-US" sz="2000" dirty="0">
+              <a:t>But at 6:00 pm, sadly, we got  information that one of our team member's </a:t>
+            </a:r>
+            <a:r>
+              <a:rPr lang="en-US" sz="2000" b="1" dirty="0" err="1">
                 <a:cs typeface="Calibri"/>
               </a:rPr>
-              <a:t> </a:t>
-            </a:r>
-            <a:r>
-              <a:rPr lang="en-US" sz="2000">
+              <a:t>homw</a:t>
+            </a:r>
+            <a:r>
+              <a:rPr lang="en-US" sz="2000" b="1" dirty="0">
                 <a:cs typeface="Calibri"/>
               </a:rPr>
-              <a:t>member's homw was made a containment zone and he was forced to relocate.</a:t>
-            </a:r>
-            <a:endParaRPr lang="en-US" sz="2000" dirty="0">
-              <a:cs typeface="Calibri"/>
-            </a:endParaRPr>
-          </a:p>
-          <a:p>
-            <a:r>
-              <a:rPr lang="en-US" sz="2000">
+              <a:t> was made a containment zone and he was forced to relocate.</a:t>
+            </a:r>
+          </a:p>
+          <a:p>
+            <a:r>
+              <a:rPr lang="en-US" sz="2000" b="1" dirty="0">
                 <a:cs typeface="Calibri"/>
               </a:rPr>
               <a:t>On day 2,  successfully our teammate relocated and joined us again and we started to work on our program full fledged as our work was overdue from day 1.</a:t>
             </a:r>
-            <a:endParaRPr lang="en-US" sz="2000" dirty="0">
-              <a:cs typeface="Calibri"/>
-            </a:endParaRPr>
-          </a:p>
-          <a:p>
-            <a:r>
-              <a:rPr lang="en-US" sz="2000">
+          </a:p>
+          <a:p>
+            <a:r>
+              <a:rPr lang="en-US" sz="2000" b="1" dirty="0">
                 <a:cs typeface="Calibri"/>
               </a:rPr>
               <a:t>On day 2, we scrapped the first website successfully and faced difficulty with the second website where our coordinators and mentors helped us a lot. By the end of day 2, our problem statement was almost complete.</a:t>
             </a:r>
-            <a:endParaRPr lang="en-US" sz="2000" dirty="0">
-              <a:cs typeface="Calibri"/>
-            </a:endParaRPr>
-          </a:p>
-          <a:p>
-            <a:r>
-              <a:rPr lang="en-US" sz="2000">
+          </a:p>
+          <a:p>
+            <a:r>
+              <a:rPr lang="en-US" sz="2000" b="1" dirty="0">
                 <a:cs typeface="Calibri"/>
               </a:rPr>
               <a:t>On day 3, we cleaned our codes and made it modular.</a:t>
             </a:r>
-            <a:endParaRPr lang="en-US" sz="2000" dirty="0">
-              <a:cs typeface="Calibri"/>
-            </a:endParaRPr>
-          </a:p>
-          <a:p>
-            <a:r>
-              <a:rPr lang="en-US" sz="2000">
+          </a:p>
+          <a:p>
+            <a:r>
+              <a:rPr lang="en-US" sz="2000" b="1" dirty="0">
                 <a:cs typeface="Calibri"/>
               </a:rPr>
-              <a:t>Lastly we completd this presentation and thus our journey of three days work.</a:t>
-            </a:r>
-            <a:endParaRPr lang="en-US" sz="2000" dirty="0">
-              <a:cs typeface="Calibri"/>
-            </a:endParaRPr>
+              <a:t>Lastly, we </a:t>
+            </a:r>
+            <a:r>
+              <a:rPr lang="en-US" sz="2000" b="1" dirty="0" err="1">
+                <a:cs typeface="Calibri"/>
+              </a:rPr>
+              <a:t>completd</a:t>
+            </a:r>
+            <a:r>
+              <a:rPr lang="en-US" sz="2000" b="1" dirty="0">
+                <a:cs typeface="Calibri"/>
+              </a:rPr>
+              <a:t> this presentation and thus our journey of three days work.</a:t>
+            </a:r>
           </a:p>
           <a:p>
             <a:pPr marL="0" indent="0">
